--- a/Banking Account Fraud.pptx
+++ b/Banking Account Fraud.pptx
@@ -13439,8 +13439,8 @@
         </p:nvSpPr>
         <p:spPr>
           <a:xfrm>
-            <a:off x="6465925" y="96625"/>
-            <a:ext cx="5168700" cy="1382100"/>
+            <a:off x="6157275" y="96625"/>
+            <a:ext cx="6034800" cy="665400"/>
           </a:xfrm>
           <a:prstGeom prst="rect">
             <a:avLst/>
@@ -13472,7 +13472,7 @@
             </a:pPr>
             <a:r>
               <a:rPr b="1" i="0" lang="en-US" sz="3200" u="sng"/>
-              <a:t>RESULTS &amp; CONCLUSION</a:t>
+              <a:t>CONCLUSION &amp; NEXT STEPS</a:t>
             </a:r>
             <a:endParaRPr u="sng"/>
           </a:p>
@@ -13494,7 +13494,7 @@
         </p:blipFill>
         <p:spPr>
           <a:xfrm>
-            <a:off x="8015175" y="1121552"/>
+            <a:off x="9729675" y="762027"/>
             <a:ext cx="2070200" cy="2070200"/>
           </a:xfrm>
           <a:prstGeom prst="rect">
@@ -13541,15 +13541,21 @@
         </p:nvSpPr>
         <p:spPr>
           <a:xfrm>
-            <a:off x="6157275" y="3963350"/>
-            <a:ext cx="5951400" cy="2680800"/>
+            <a:off x="6198975" y="2832225"/>
+            <a:ext cx="5827800" cy="4180800"/>
           </a:xfrm>
           <a:prstGeom prst="rect">
             <a:avLst/>
           </a:prstGeom>
           <a:noFill/>
-          <a:ln>
-            <a:noFill/>
+          <a:ln cap="flat" cmpd="sng" w="28575">
+            <a:solidFill>
+              <a:srgbClr val="000000"/>
+            </a:solidFill>
+            <a:prstDash val="solid"/>
+            <a:round/>
+            <a:headEnd len="sm" w="sm" type="none"/>
+            <a:tailEnd len="sm" w="sm" type="none"/>
           </a:ln>
         </p:spPr>
         <p:txBody>
@@ -13568,7 +13574,19 @@
               <a:buNone/>
             </a:pPr>
             <a:r>
-              <a:rPr lang="en-US" sz="2400">
+              <a:rPr b="1" lang="en-US" sz="2600" u="sng">
+                <a:solidFill>
+                  <a:schemeClr val="dk2"/>
+                </a:solidFill>
+                <a:latin typeface="Open Sans"/>
+                <a:ea typeface="Open Sans"/>
+                <a:cs typeface="Open Sans"/>
+                <a:sym typeface="Open Sans"/>
+              </a:rPr>
+              <a:t>Conclusion: </a:t>
+            </a:r>
+            <a:r>
+              <a:rPr lang="en-US" sz="2100">
                 <a:solidFill>
                   <a:schemeClr val="dk2"/>
                 </a:solidFill>
@@ -13580,7 +13598,7 @@
               <a:t>The graphics at left demonstrate the initial classification report, the improvements through iterations of testing and training to the final </a:t>
             </a:r>
             <a:r>
-              <a:rPr lang="en-US" sz="2400">
+              <a:rPr lang="en-US" sz="2100">
                 <a:solidFill>
                   <a:schemeClr val="dk2"/>
                 </a:solidFill>
@@ -13592,7 +13610,7 @@
               <a:t>classification</a:t>
             </a:r>
             <a:r>
-              <a:rPr lang="en-US" sz="2400">
+              <a:rPr lang="en-US" sz="2100">
                 <a:solidFill>
                   <a:schemeClr val="dk2"/>
                 </a:solidFill>
@@ -13604,7 +13622,7 @@
               <a:t> report clearly showing </a:t>
             </a:r>
             <a:r>
-              <a:rPr lang="en-US" sz="2400">
+              <a:rPr lang="en-US" sz="2100">
                 <a:solidFill>
                   <a:schemeClr val="dk2"/>
                 </a:solidFill>
@@ -13616,7 +13634,7 @@
               <a:t>a more balanced model and </a:t>
             </a:r>
             <a:r>
-              <a:rPr lang="en-US" sz="2400">
+              <a:rPr lang="en-US" sz="2100">
                 <a:solidFill>
                   <a:schemeClr val="dk2"/>
                 </a:solidFill>
@@ -13628,7 +13646,7 @@
               <a:t>improved </a:t>
             </a:r>
             <a:r>
-              <a:rPr lang="en-US" sz="2400">
+              <a:rPr lang="en-US" sz="2100">
                 <a:solidFill>
                   <a:schemeClr val="dk2"/>
                 </a:solidFill>
@@ -13640,7 +13658,7 @@
               <a:t>performance</a:t>
             </a:r>
             <a:r>
-              <a:rPr lang="en-US" sz="2400">
+              <a:rPr lang="en-US" sz="2100">
                 <a:solidFill>
                   <a:schemeClr val="dk2"/>
                 </a:solidFill>
@@ -13651,7 +13669,110 @@
               </a:rPr>
               <a:t>.</a:t>
             </a:r>
-            <a:endParaRPr sz="2400">
+            <a:endParaRPr sz="2100">
+              <a:solidFill>
+                <a:schemeClr val="dk2"/>
+              </a:solidFill>
+              <a:latin typeface="Open Sans Light"/>
+              <a:ea typeface="Open Sans Light"/>
+              <a:cs typeface="Open Sans Light"/>
+              <a:sym typeface="Open Sans Light"/>
+            </a:endParaRPr>
+          </a:p>
+          <a:p>
+            <a:pPr indent="0" lvl="0" marL="0" rtl="0" algn="l">
+              <a:spcBef>
+                <a:spcPts val="0"/>
+              </a:spcBef>
+              <a:spcAft>
+                <a:spcPts val="0"/>
+              </a:spcAft>
+              <a:buNone/>
+            </a:pPr>
+            <a:r>
+              <a:t/>
+            </a:r>
+            <a:endParaRPr sz="2000">
+              <a:solidFill>
+                <a:schemeClr val="dk2"/>
+              </a:solidFill>
+              <a:latin typeface="Open Sans Light"/>
+              <a:ea typeface="Open Sans Light"/>
+              <a:cs typeface="Open Sans Light"/>
+              <a:sym typeface="Open Sans Light"/>
+            </a:endParaRPr>
+          </a:p>
+          <a:p>
+            <a:pPr indent="0" lvl="0" marL="0" rtl="0" algn="l">
+              <a:spcBef>
+                <a:spcPts val="0"/>
+              </a:spcBef>
+              <a:spcAft>
+                <a:spcPts val="0"/>
+              </a:spcAft>
+              <a:buNone/>
+            </a:pPr>
+            <a:r>
+              <a:rPr b="1" lang="en-US" sz="2600" u="sng">
+                <a:solidFill>
+                  <a:schemeClr val="dk2"/>
+                </a:solidFill>
+                <a:latin typeface="Open Sans"/>
+                <a:ea typeface="Open Sans"/>
+                <a:cs typeface="Open Sans"/>
+                <a:sym typeface="Open Sans"/>
+              </a:rPr>
+              <a:t>Next Steps / Additional Questions:</a:t>
+            </a:r>
+            <a:r>
+              <a:rPr lang="en-US" sz="1900">
+                <a:solidFill>
+                  <a:schemeClr val="dk2"/>
+                </a:solidFill>
+                <a:latin typeface="Open Sans Light"/>
+                <a:ea typeface="Open Sans Light"/>
+                <a:cs typeface="Open Sans Light"/>
+                <a:sym typeface="Open Sans Light"/>
+              </a:rPr>
+              <a:t> </a:t>
+            </a:r>
+            <a:r>
+              <a:rPr lang="en-US" sz="2200">
+                <a:solidFill>
+                  <a:schemeClr val="dk2"/>
+                </a:solidFill>
+                <a:latin typeface="Open Sans Light"/>
+                <a:ea typeface="Open Sans Light"/>
+                <a:cs typeface="Open Sans Light"/>
+                <a:sym typeface="Open Sans Light"/>
+              </a:rPr>
+              <a:t>Our results peaked our </a:t>
+            </a:r>
+            <a:r>
+              <a:rPr lang="en-US" sz="2200">
+                <a:solidFill>
+                  <a:schemeClr val="dk2"/>
+                </a:solidFill>
+                <a:latin typeface="Open Sans Light"/>
+                <a:ea typeface="Open Sans Light"/>
+                <a:cs typeface="Open Sans Light"/>
+                <a:sym typeface="Open Sans Light"/>
+              </a:rPr>
+              <a:t>curiosity</a:t>
+            </a:r>
+            <a:r>
+              <a:rPr lang="en-US" sz="2200">
+                <a:solidFill>
+                  <a:schemeClr val="dk2"/>
+                </a:solidFill>
+                <a:latin typeface="Open Sans Light"/>
+                <a:ea typeface="Open Sans Light"/>
+                <a:cs typeface="Open Sans Light"/>
+                <a:sym typeface="Open Sans Light"/>
+              </a:rPr>
+              <a:t> to analyze additional dimensions and testing our model leveraging real-world anonymized data.</a:t>
+            </a:r>
+            <a:endParaRPr sz="2200">
               <a:solidFill>
                 <a:schemeClr val="dk2"/>
               </a:solidFill>
@@ -13962,8 +14083,8 @@
         </p:nvSpPr>
         <p:spPr>
           <a:xfrm>
-            <a:off x="1129552" y="584791"/>
-            <a:ext cx="9932896" cy="1148665"/>
+            <a:off x="1129552" y="560966"/>
+            <a:ext cx="9933000" cy="1148700"/>
           </a:xfrm>
           <a:prstGeom prst="rect">
             <a:avLst/>
@@ -13998,7 +14119,7 @@
             </a:pPr>
             <a:r>
               <a:rPr b="1" i="0" lang="en-US" u="sng"/>
-              <a:t>Objective</a:t>
+              <a:t>Objective and Approach</a:t>
             </a:r>
             <a:endParaRPr b="1" i="0" u="sng"/>
           </a:p>
@@ -14224,7 +14345,7 @@
           </a:bodyPr>
           <a:lstStyle/>
           <a:p>
-            <a:pPr indent="-381000" lvl="0" marL="457200" rtl="0" algn="l">
+            <a:pPr indent="0" lvl="0" marL="0" rtl="0" algn="l">
               <a:lnSpc>
                 <a:spcPct val="115000"/>
               </a:lnSpc>
@@ -14234,15 +14355,22 @@
               <a:spcAft>
                 <a:spcPts val="0"/>
               </a:spcAft>
-              <a:buClr>
-                <a:schemeClr val="dk2"/>
-              </a:buClr>
-              <a:buSzPts val="2400"/>
-              <a:buFont typeface="Open Sans Light"/>
-              <a:buChar char="●"/>
+              <a:buNone/>
             </a:pPr>
             <a:r>
-              <a:rPr lang="en-US" sz="2400">
+              <a:rPr b="1" lang="en-US" sz="1700" u="sng">
+                <a:solidFill>
+                  <a:schemeClr val="dk2"/>
+                </a:solidFill>
+                <a:latin typeface="Open Sans"/>
+                <a:ea typeface="Open Sans"/>
+                <a:cs typeface="Open Sans"/>
+                <a:sym typeface="Open Sans"/>
+              </a:rPr>
+              <a:t>Objective:</a:t>
+            </a:r>
+            <a:r>
+              <a:rPr lang="en-US" sz="1700">
                 <a:solidFill>
                   <a:schemeClr val="dk2"/>
                 </a:solidFill>
@@ -14251,9 +14379,9 @@
                 <a:cs typeface="Open Sans Light"/>
                 <a:sym typeface="Open Sans Light"/>
               </a:rPr>
-              <a:t>To identify fraud in credit card applications, the primary dataset from Bank Account Fraud (BAF) enabled us to conduct data analysis, preprocess data, and develop machine learning models for fraud detection.</a:t>
+              <a:t> To identify fraud in credit card applications, the primary dataset from Bank Account Fraud (BAF) enabled us to conduct data analysis, preprocess data, and develop machine learning models for fraud detection.</a:t>
             </a:r>
-            <a:endParaRPr sz="2400">
+            <a:endParaRPr sz="1700">
               <a:solidFill>
                 <a:schemeClr val="dk2"/>
               </a:solidFill>
@@ -14274,9 +14402,30 @@
               <a:buNone/>
             </a:pPr>
             <a:r>
-              <a:t/>
+              <a:rPr b="1" lang="en-US" sz="1700" u="sng">
+                <a:solidFill>
+                  <a:schemeClr val="dk2"/>
+                </a:solidFill>
+                <a:latin typeface="Open Sans"/>
+                <a:ea typeface="Open Sans"/>
+                <a:cs typeface="Open Sans"/>
+                <a:sym typeface="Open Sans"/>
+              </a:rPr>
+              <a:t>Approach:</a:t>
             </a:r>
-            <a:endParaRPr sz="2400">
+            <a:r>
+              <a:rPr lang="en-US" sz="1700">
+                <a:solidFill>
+                  <a:schemeClr val="dk2"/>
+                </a:solidFill>
+                <a:latin typeface="Open Sans Light"/>
+                <a:ea typeface="Open Sans Light"/>
+                <a:cs typeface="Open Sans Light"/>
+                <a:sym typeface="Open Sans Light"/>
+              </a:rPr>
+              <a:t> The group individually analyzed the data set and leveraged different models before identifying and agreeing on the best performing model.</a:t>
+            </a:r>
+            <a:endParaRPr sz="1700">
               <a:solidFill>
                 <a:schemeClr val="dk2"/>
               </a:solidFill>

--- a/Banking Account Fraud.pptx
+++ b/Banking Account Fraud.pptx
@@ -13542,7 +13542,7 @@
         <p:spPr>
           <a:xfrm>
             <a:off x="6198975" y="2832225"/>
-            <a:ext cx="5827800" cy="4180800"/>
+            <a:ext cx="5827800" cy="3924900"/>
           </a:xfrm>
           <a:prstGeom prst="rect">
             <a:avLst/>
@@ -13668,29 +13668,6 @@
                 <a:sym typeface="Open Sans Light"/>
               </a:rPr>
               <a:t>.</a:t>
-            </a:r>
-            <a:endParaRPr sz="2100">
-              <a:solidFill>
-                <a:schemeClr val="dk2"/>
-              </a:solidFill>
-              <a:latin typeface="Open Sans Light"/>
-              <a:ea typeface="Open Sans Light"/>
-              <a:cs typeface="Open Sans Light"/>
-              <a:sym typeface="Open Sans Light"/>
-            </a:endParaRPr>
-          </a:p>
-          <a:p>
-            <a:pPr indent="0" lvl="0" marL="0" rtl="0" algn="l">
-              <a:spcBef>
-                <a:spcPts val="0"/>
-              </a:spcBef>
-              <a:spcAft>
-                <a:spcPts val="0"/>
-              </a:spcAft>
-              <a:buNone/>
-            </a:pPr>
-            <a:r>
-              <a:t/>
             </a:r>
             <a:endParaRPr sz="2000">
               <a:solidFill>
